--- a/notebook/LeetCode刷题/大厂刷题班PPT/第4节.pptx
+++ b/notebook/LeetCode刷题/大厂刷题班PPT/第4节.pptx
@@ -205,7 +205,7 @@
           <a:p>
             <a:fld id="{782028E9-46BA-4C86-9A29-AE961B0360E3}" type="datetimeFigureOut">
               <a:rPr lang="zh-CN" altLang="en-US" smtClean="0"/>
-              <a:t>2021/4/27</a:t>
+              <a:t>2022/7/13</a:t>
             </a:fld>
             <a:endParaRPr lang="zh-CN" altLang="en-US"/>
           </a:p>
@@ -472,6 +472,90 @@
 </p:notesMaster>
 </file>
 
+<file path=ppt/notesSlides/notesSlide1.xml><?xml version="1.0" encoding="utf-8"?>
+<p:notes xmlns:a="http://schemas.openxmlformats.org/drawingml/2006/main" xmlns:r="http://schemas.openxmlformats.org/officeDocument/2006/relationships" xmlns:p="http://schemas.openxmlformats.org/presentationml/2006/main">
+  <p:cSld>
+    <p:spTree>
+      <p:nvGrpSpPr>
+        <p:cNvPr id="1" name=""/>
+        <p:cNvGrpSpPr/>
+        <p:nvPr/>
+      </p:nvGrpSpPr>
+      <p:grpSpPr>
+        <a:xfrm>
+          <a:off x="0" y="0"/>
+          <a:ext cx="0" cy="0"/>
+          <a:chOff x="0" y="0"/>
+          <a:chExt cx="0" cy="0"/>
+        </a:xfrm>
+      </p:grpSpPr>
+      <p:sp>
+        <p:nvSpPr>
+          <p:cNvPr id="2" name="幻灯片图像占位符 1"/>
+          <p:cNvSpPr>
+            <a:spLocks noGrp="1" noRot="1" noChangeAspect="1"/>
+          </p:cNvSpPr>
+          <p:nvPr>
+            <p:ph type="sldImg"/>
+          </p:nvPr>
+        </p:nvSpPr>
+        <p:spPr/>
+      </p:sp>
+      <p:sp>
+        <p:nvSpPr>
+          <p:cNvPr id="3" name="备注占位符 2"/>
+          <p:cNvSpPr>
+            <a:spLocks noGrp="1"/>
+          </p:cNvSpPr>
+          <p:nvPr>
+            <p:ph type="body" idx="1"/>
+          </p:nvPr>
+        </p:nvSpPr>
+        <p:spPr/>
+        <p:txBody>
+          <a:bodyPr/>
+          <a:lstStyle/>
+          <a:p>
+            <a:endParaRPr kumimoji="1" lang="zh-CN" altLang="en-US" dirty="0"/>
+          </a:p>
+        </p:txBody>
+      </p:sp>
+      <p:sp>
+        <p:nvSpPr>
+          <p:cNvPr id="4" name="灯片编号占位符 3"/>
+          <p:cNvSpPr>
+            <a:spLocks noGrp="1"/>
+          </p:cNvSpPr>
+          <p:nvPr>
+            <p:ph type="sldNum" sz="quarter" idx="5"/>
+          </p:nvPr>
+        </p:nvSpPr>
+        <p:spPr/>
+        <p:txBody>
+          <a:bodyPr/>
+          <a:lstStyle/>
+          <a:p>
+            <a:fld id="{2171295E-5950-443C-8D3C-0D5E857841B0}" type="slidenum">
+              <a:rPr lang="zh-CN" altLang="en-US" smtClean="0"/>
+              <a:t>7</a:t>
+            </a:fld>
+            <a:endParaRPr lang="zh-CN" altLang="en-US"/>
+          </a:p>
+        </p:txBody>
+      </p:sp>
+    </p:spTree>
+    <p:extLst>
+      <p:ext uri="{BB962C8B-B14F-4D97-AF65-F5344CB8AC3E}">
+        <p14:creationId xmlns:p14="http://schemas.microsoft.com/office/powerpoint/2010/main" val="568238474"/>
+      </p:ext>
+    </p:extLst>
+  </p:cSld>
+  <p:clrMapOvr>
+    <a:masterClrMapping/>
+  </p:clrMapOvr>
+</p:notes>
+</file>
+
 <file path=ppt/slideLayouts/slideLayout1.xml><?xml version="1.0" encoding="utf-8"?>
 <p:sldLayout xmlns:a="http://schemas.openxmlformats.org/drawingml/2006/main" xmlns:r="http://schemas.openxmlformats.org/officeDocument/2006/relationships" xmlns:p="http://schemas.openxmlformats.org/presentationml/2006/main" type="title" preserve="1">
   <p:cSld name="标题幻灯片">
@@ -619,7 +703,7 @@
           <a:p>
             <a:fld id="{CD197A10-BDA0-4058-9A33-0C5238F4F282}" type="datetime1">
               <a:rPr lang="zh-CN" altLang="en-US" smtClean="0"/>
-              <a:t>2021/4/27</a:t>
+              <a:t>2022/7/13</a:t>
             </a:fld>
             <a:endParaRPr lang="zh-CN" altLang="en-US"/>
           </a:p>
@@ -825,7 +909,7 @@
           <a:p>
             <a:fld id="{85AB0413-2FFF-46C2-98D1-488EA38DD690}" type="datetime1">
               <a:rPr lang="zh-CN" altLang="en-US" smtClean="0"/>
-              <a:t>2021/4/27</a:t>
+              <a:t>2022/7/13</a:t>
             </a:fld>
             <a:endParaRPr lang="zh-CN" altLang="en-US"/>
           </a:p>
@@ -1041,7 +1125,7 @@
           <a:p>
             <a:fld id="{50DA80E8-AB52-4369-B0E8-CCA8E04F18AF}" type="datetime1">
               <a:rPr lang="zh-CN" altLang="en-US" smtClean="0"/>
-              <a:t>2021/4/27</a:t>
+              <a:t>2022/7/13</a:t>
             </a:fld>
             <a:endParaRPr lang="zh-CN" altLang="en-US"/>
           </a:p>
@@ -1247,7 +1331,7 @@
           <a:p>
             <a:fld id="{2750015E-B5F4-40FB-A420-771076B76725}" type="datetime1">
               <a:rPr lang="zh-CN" altLang="en-US" smtClean="0"/>
-              <a:t>2021/4/27</a:t>
+              <a:t>2022/7/13</a:t>
             </a:fld>
             <a:endParaRPr lang="zh-CN" altLang="en-US"/>
           </a:p>
@@ -1530,7 +1614,7 @@
           <a:p>
             <a:fld id="{D8D7F58D-6340-4258-84B2-51D872870289}" type="datetime1">
               <a:rPr lang="zh-CN" altLang="en-US" smtClean="0"/>
-              <a:t>2021/4/27</a:t>
+              <a:t>2022/7/13</a:t>
             </a:fld>
             <a:endParaRPr lang="zh-CN" altLang="en-US"/>
           </a:p>
@@ -1803,7 +1887,7 @@
           <a:p>
             <a:fld id="{CF95930F-BC8D-4291-A347-52EE457F28AC}" type="datetime1">
               <a:rPr lang="zh-CN" altLang="en-US" smtClean="0"/>
-              <a:t>2021/4/27</a:t>
+              <a:t>2022/7/13</a:t>
             </a:fld>
             <a:endParaRPr lang="zh-CN" altLang="en-US"/>
           </a:p>
@@ -2223,7 +2307,7 @@
           <a:p>
             <a:fld id="{A0144562-18EF-4804-B489-529351FE0EFB}" type="datetime1">
               <a:rPr lang="zh-CN" altLang="en-US" smtClean="0"/>
-              <a:t>2021/4/27</a:t>
+              <a:t>2022/7/13</a:t>
             </a:fld>
             <a:endParaRPr lang="zh-CN" altLang="en-US"/>
           </a:p>
@@ -2372,7 +2456,7 @@
           <a:p>
             <a:fld id="{87AACDD8-1178-4728-8218-7551296B221B}" type="datetime1">
               <a:rPr lang="zh-CN" altLang="en-US" smtClean="0"/>
-              <a:t>2021/4/27</a:t>
+              <a:t>2022/7/13</a:t>
             </a:fld>
             <a:endParaRPr lang="zh-CN" altLang="en-US"/>
           </a:p>
@@ -2493,7 +2577,7 @@
           <a:p>
             <a:fld id="{03893235-274C-41AC-BC84-3C7717B495DB}" type="datetime1">
               <a:rPr lang="zh-CN" altLang="en-US" smtClean="0"/>
-              <a:t>2021/4/27</a:t>
+              <a:t>2022/7/13</a:t>
             </a:fld>
             <a:endParaRPr lang="zh-CN" altLang="en-US"/>
           </a:p>
@@ -2812,7 +2896,7 @@
           <a:p>
             <a:fld id="{B9E0922B-B69D-4DE3-9B28-B7CBDD995048}" type="datetime1">
               <a:rPr lang="zh-CN" altLang="en-US" smtClean="0"/>
-              <a:t>2021/4/27</a:t>
+              <a:t>2022/7/13</a:t>
             </a:fld>
             <a:endParaRPr lang="zh-CN" altLang="en-US"/>
           </a:p>
@@ -3108,7 +3192,7 @@
           <a:p>
             <a:fld id="{42048F93-B386-48E1-A4A4-90C957DCE639}" type="datetime1">
               <a:rPr lang="zh-CN" altLang="en-US" smtClean="0"/>
-              <a:t>2021/4/27</a:t>
+              <a:t>2022/7/13</a:t>
             </a:fld>
             <a:endParaRPr lang="zh-CN" altLang="en-US"/>
           </a:p>
@@ -3357,7 +3441,7 @@
           <a:p>
             <a:fld id="{2E2D3690-DEAE-4EF6-9EC5-36B2D000055D}" type="datetime1">
               <a:rPr lang="zh-CN" altLang="en-US" smtClean="0"/>
-              <a:t>2021/4/27</a:t>
+              <a:t>2022/7/13</a:t>
             </a:fld>
             <a:endParaRPr lang="zh-CN" altLang="en-US"/>
           </a:p>
@@ -4316,6 +4400,31 @@
               <a:rPr lang="zh-CN" altLang="en-US" dirty="0"/>
               <a:t>返回一个数组中，子数组最大累加和</a:t>
             </a:r>
+            <a:endParaRPr lang="en-US" altLang="zh-CN" dirty="0"/>
+          </a:p>
+          <a:p>
+            <a:pPr marL="0" indent="0">
+              <a:buNone/>
+            </a:pPr>
+            <a:endParaRPr lang="en-US" altLang="zh-CN" dirty="0"/>
+          </a:p>
+          <a:p>
+            <a:pPr marL="0" indent="0">
+              <a:buNone/>
+            </a:pPr>
+            <a:r>
+              <a:rPr lang="en" altLang="zh-CN" dirty="0"/>
+              <a:t>https://</a:t>
+            </a:r>
+            <a:r>
+              <a:rPr lang="en" altLang="zh-CN" dirty="0" err="1"/>
+              <a:t>leetcode.com</a:t>
+            </a:r>
+            <a:r>
+              <a:rPr lang="en" altLang="zh-CN" dirty="0"/>
+              <a:t>/problems/maximum-subarray/</a:t>
+            </a:r>
+            <a:endParaRPr lang="zh-CN" altLang="en-US" dirty="0"/>
           </a:p>
         </p:txBody>
       </p:sp>
@@ -4714,6 +4823,30 @@
             </a:pPr>
             <a:endParaRPr lang="en-US" altLang="zh-CN" dirty="0"/>
           </a:p>
+          <a:p>
+            <a:pPr marL="0" indent="0">
+              <a:buNone/>
+            </a:pPr>
+            <a:r>
+              <a:rPr lang="en" altLang="zh-CN" dirty="0"/>
+              <a:t>https://</a:t>
+            </a:r>
+            <a:r>
+              <a:rPr lang="en" altLang="zh-CN" dirty="0" err="1"/>
+              <a:t>leetcode.com</a:t>
+            </a:r>
+            <a:r>
+              <a:rPr lang="en" altLang="zh-CN" dirty="0"/>
+              <a:t>/problems/house-robber/</a:t>
+            </a:r>
+            <a:endParaRPr lang="en-US" altLang="zh-CN" dirty="0"/>
+          </a:p>
+          <a:p>
+            <a:pPr marL="0" indent="0">
+              <a:buNone/>
+            </a:pPr>
+            <a:endParaRPr lang="en-US" altLang="zh-CN" dirty="0"/>
+          </a:p>
         </p:txBody>
       </p:sp>
       <p:sp>
@@ -5140,6 +5273,74 @@
               <a:rPr lang="zh-CN" altLang="en-US" dirty="0"/>
               <a:t>的达标数组，什么叫达标？</a:t>
             </a:r>
+            <a:endParaRPr lang="en-US" altLang="zh-CN" dirty="0"/>
+          </a:p>
+          <a:p>
+            <a:pPr marL="0" indent="0">
+              <a:buNone/>
+            </a:pPr>
+            <a:r>
+              <a:rPr lang="zh-CN" altLang="en-US" dirty="0"/>
+              <a:t>达标：对于任意的 </a:t>
+            </a:r>
+            <a:r>
+              <a:rPr lang="en" altLang="zh-CN" dirty="0" err="1"/>
+              <a:t>i</a:t>
+            </a:r>
+            <a:r>
+              <a:rPr lang="en" altLang="zh-CN" dirty="0"/>
+              <a:t>&lt;k&lt;j</a:t>
+            </a:r>
+            <a:r>
+              <a:rPr lang="zh-CN" altLang="en" dirty="0"/>
+              <a:t>，</a:t>
+            </a:r>
+            <a:r>
+              <a:rPr lang="zh-CN" altLang="en-US" dirty="0"/>
+              <a:t>满足 </a:t>
+            </a:r>
+            <a:r>
+              <a:rPr lang="en-US" altLang="zh-CN" dirty="0"/>
+              <a:t>[</a:t>
+            </a:r>
+            <a:r>
+              <a:rPr lang="en" altLang="zh-CN" dirty="0" err="1"/>
+              <a:t>i</a:t>
+            </a:r>
+            <a:r>
+              <a:rPr lang="en" altLang="zh-CN" dirty="0"/>
+              <a:t>] + [j] != [k] * 2</a:t>
+            </a:r>
+          </a:p>
+          <a:p>
+            <a:pPr marL="0" indent="0">
+              <a:buNone/>
+            </a:pPr>
+            <a:r>
+              <a:rPr lang="zh-CN" altLang="en" dirty="0"/>
+              <a:t>给定</a:t>
+            </a:r>
+            <a:r>
+              <a:rPr lang="zh-CN" altLang="en-US" dirty="0"/>
+              <a:t>一个正数</a:t>
+            </a:r>
+            <a:r>
+              <a:rPr lang="en-US" altLang="zh-CN" dirty="0"/>
+              <a:t>size</a:t>
+            </a:r>
+            <a:r>
+              <a:rPr lang="zh-CN" altLang="en-US" dirty="0"/>
+              <a:t>，返回长度为</a:t>
+            </a:r>
+            <a:r>
+              <a:rPr lang="en-US" altLang="zh-CN" dirty="0"/>
+              <a:t>size</a:t>
+            </a:r>
+            <a:r>
+              <a:rPr lang="zh-CN" altLang="en-US" dirty="0"/>
+              <a:t>的达标数组</a:t>
+            </a:r>
+            <a:endParaRPr lang="en-US" altLang="zh-CN" dirty="0"/>
           </a:p>
           <a:p>
             <a:pPr marL="0" indent="0">
@@ -5153,70 +5354,7 @@
             </a:pPr>
             <a:r>
               <a:rPr lang="zh-CN" altLang="en-US" dirty="0"/>
-              <a:t>达标：对于任意的 </a:t>
-            </a:r>
-            <a:r>
-              <a:rPr lang="en" altLang="zh-CN" dirty="0" err="1"/>
-              <a:t>i</a:t>
-            </a:r>
-            <a:r>
-              <a:rPr lang="en" altLang="zh-CN" dirty="0"/>
-              <a:t>&lt;k&lt;j</a:t>
-            </a:r>
-            <a:r>
-              <a:rPr lang="zh-CN" altLang="en" dirty="0"/>
-              <a:t>，</a:t>
-            </a:r>
-            <a:r>
-              <a:rPr lang="zh-CN" altLang="en-US" dirty="0"/>
-              <a:t>满足 </a:t>
-            </a:r>
-            <a:r>
-              <a:rPr lang="en-US" altLang="zh-CN" dirty="0"/>
-              <a:t>[</a:t>
-            </a:r>
-            <a:r>
-              <a:rPr lang="en" altLang="zh-CN" dirty="0" err="1"/>
-              <a:t>i</a:t>
-            </a:r>
-            <a:r>
-              <a:rPr lang="en" altLang="zh-CN" dirty="0"/>
-              <a:t>] + [j] != [k] * 2</a:t>
-            </a:r>
-          </a:p>
-          <a:p>
-            <a:pPr marL="0" indent="0">
-              <a:buNone/>
-            </a:pPr>
-            <a:endParaRPr lang="en" altLang="zh-CN" dirty="0"/>
-          </a:p>
-          <a:p>
-            <a:pPr marL="0" indent="0">
-              <a:buNone/>
-            </a:pPr>
-            <a:r>
-              <a:rPr lang="zh-CN" altLang="en" dirty="0"/>
-              <a:t>给定</a:t>
-            </a:r>
-            <a:r>
-              <a:rPr lang="zh-CN" altLang="en-US" dirty="0"/>
-              <a:t>一个正数</a:t>
-            </a:r>
-            <a:r>
-              <a:rPr lang="en-US" altLang="zh-CN" dirty="0"/>
-              <a:t>size</a:t>
-            </a:r>
-            <a:r>
-              <a:rPr lang="zh-CN" altLang="en-US" dirty="0"/>
-              <a:t>，返回长度为</a:t>
-            </a:r>
-            <a:r>
-              <a:rPr lang="en-US" altLang="zh-CN" dirty="0"/>
-              <a:t>size</a:t>
-            </a:r>
-            <a:r>
-              <a:rPr lang="zh-CN" altLang="en-US" dirty="0"/>
-              <a:t>的达标数组</a:t>
+              <a:t>（没懂题干）</a:t>
             </a:r>
             <a:endParaRPr lang="en" altLang="zh-CN" dirty="0"/>
           </a:p>
@@ -5270,7 +5408,7 @@
           <p:nvPr/>
         </p:nvPicPr>
         <p:blipFill>
-          <a:blip r:embed="rId2" cstate="print">
+          <a:blip r:embed="rId3" cstate="print">
             <a:duotone>
               <a:schemeClr val="accent5">
                 <a:shade val="45000"/>
@@ -5424,17 +5562,24 @@
               <a:buNone/>
             </a:pPr>
             <a:r>
-              <a:rPr lang="en" altLang="zh-CN" dirty="0"/>
-              <a:t>https://</a:t>
-            </a:r>
-            <a:r>
-              <a:rPr lang="en" altLang="zh-CN" dirty="0" err="1"/>
-              <a:t>leetcode.com</a:t>
-            </a:r>
-            <a:r>
-              <a:rPr lang="en" altLang="zh-CN" dirty="0"/>
-              <a:t>/problems/interleaving-string/</a:t>
-            </a:r>
+              <a:rPr lang="en" altLang="zh-CN" dirty="0">
+                <a:hlinkClick r:id="rId2"/>
+              </a:rPr>
+              <a:t>https://leetcode.com/problems/interleaving-string/</a:t>
+            </a:r>
+            <a:endParaRPr lang="en" altLang="zh-CN" dirty="0"/>
+          </a:p>
+          <a:p>
+            <a:pPr marL="0" indent="0">
+              <a:buNone/>
+            </a:pPr>
+            <a:endParaRPr lang="en" altLang="zh-CN" dirty="0"/>
+          </a:p>
+          <a:p>
+            <a:pPr marL="0" indent="0">
+              <a:buNone/>
+            </a:pPr>
+            <a:endParaRPr lang="en" altLang="zh-CN" dirty="0"/>
           </a:p>
           <a:p>
             <a:pPr marL="0" indent="0">
@@ -5492,7 +5637,7 @@
           <p:nvPr/>
         </p:nvPicPr>
         <p:blipFill>
-          <a:blip r:embed="rId2" cstate="print">
+          <a:blip r:embed="rId3" cstate="print">
             <a:duotone>
               <a:schemeClr val="accent5">
                 <a:shade val="45000"/>
